--- a/HW_3_programming_set/HW_3_programming/HW3.pptx
+++ b/HW_3_programming_set/HW_3_programming/HW3.pptx
@@ -3574,8 +3574,8 @@
           </a:p>
         </p:txBody>
       </p:sp>
-      <mc:AlternateContent xmlns:mc="http://schemas.openxmlformats.org/markup-compatibility/2006">
-        <mc:Choice xmlns:a14="http://schemas.microsoft.com/office/drawing/2010/main" Requires="a14">
+      <mc:AlternateContent xmlns:mc="http://schemas.openxmlformats.org/markup-compatibility/2006" xmlns:a14="http://schemas.microsoft.com/office/drawing/2010/main">
+        <mc:Choice Requires="a14">
           <p:sp>
             <p:nvSpPr>
               <p:cNvPr id="3" name="Content Placeholder 2">
@@ -3718,7 +3718,7 @@
             </p:txBody>
           </p:sp>
         </mc:Choice>
-        <mc:Fallback>
+        <mc:Fallback xmlns="">
           <p:sp>
             <p:nvSpPr>
               <p:cNvPr id="3" name="Content Placeholder 2">
@@ -4185,7 +4185,9 @@
         </p:nvSpPr>
         <p:spPr/>
         <p:txBody>
-          <a:bodyPr/>
+          <a:bodyPr>
+            <a:normAutofit lnSpcReduction="10000"/>
+          </a:bodyPr>
           <a:lstStyle/>
           <a:p>
             <a:pPr marL="0" indent="0">
@@ -4193,7 +4195,42 @@
             </a:pPr>
             <a:r>
               <a:rPr lang="en-US" dirty="0"/>
-              <a:t>Please make sure you have read Lectures 6 - 9 slides, in particular Lecture 7 – 8</a:t>
+              <a:t>Please make sure you have read Lectures 6 - 9, in particular, Lectures 7 – 8. </a:t>
+            </a:r>
+          </a:p>
+          <a:p>
+            <a:pPr marL="0" indent="0">
+              <a:buNone/>
+            </a:pPr>
+            <a:endParaRPr lang="en-US" dirty="0"/>
+          </a:p>
+          <a:p>
+            <a:pPr marL="0" indent="0">
+              <a:buNone/>
+            </a:pPr>
+            <a:r>
+              <a:rPr lang="en-US" dirty="0">
+                <a:solidFill>
+                  <a:srgbClr val="FF0000"/>
+                </a:solidFill>
+              </a:rPr>
+              <a:t>You may find </a:t>
+            </a:r>
+            <a:r>
+              <a:rPr lang="en-US" b="1" dirty="0">
+                <a:solidFill>
+                  <a:srgbClr val="FF0000"/>
+                </a:solidFill>
+              </a:rPr>
+              <a:t>Slide Deck 8, pp. 54 – 68</a:t>
+            </a:r>
+            <a:r>
+              <a:rPr lang="en-US" dirty="0">
+                <a:solidFill>
+                  <a:srgbClr val="FF0000"/>
+                </a:solidFill>
+              </a:rPr>
+              <a:t>, very useful. You may read them while you are implementing the solutions. (These slides were not covered in the class due to time constraints.)</a:t>
             </a:r>
           </a:p>
           <a:p>
